--- a/Présentation/Statistiques_Point_du_2019_11_07.pptx
+++ b/Présentation/Statistiques_Point_du_2019_11_07.pptx
@@ -214,7 +214,7 @@
           <a:p>
             <a:fld id="{16FD0C6E-6062-4108-990E-2097D2917029}" type="datetimeFigureOut">
               <a:rPr lang="fr-FR" smtClean="0"/>
-              <a:t>05/11/2019</a:t>
+              <a:t>06/11/2019</a:t>
             </a:fld>
             <a:endParaRPr lang="fr-FR"/>
           </a:p>
@@ -613,7 +613,7 @@
           <a:p>
             <a:fld id="{D71EC08B-9BE0-4552-A7A6-6E73135A7D36}" type="datetime1">
               <a:rPr lang="fr-FR" smtClean="0"/>
-              <a:t>05/11/2019</a:t>
+              <a:t>06/11/2019</a:t>
             </a:fld>
             <a:endParaRPr lang="fr-FR"/>
           </a:p>
@@ -876,7 +876,7 @@
           <a:p>
             <a:fld id="{7D513097-C592-41DB-BB74-18B1311F5C80}" type="datetime1">
               <a:rPr lang="fr-FR" smtClean="0"/>
-              <a:t>05/11/2019</a:t>
+              <a:t>06/11/2019</a:t>
             </a:fld>
             <a:endParaRPr lang="fr-FR"/>
           </a:p>
@@ -1049,7 +1049,7 @@
           <a:p>
             <a:fld id="{1B753CF5-7979-4E40-8A77-F434C86C296E}" type="datetime1">
               <a:rPr lang="fr-FR" smtClean="0"/>
-              <a:t>05/11/2019</a:t>
+              <a:t>06/11/2019</a:t>
             </a:fld>
             <a:endParaRPr lang="fr-FR"/>
           </a:p>
@@ -1232,7 +1232,7 @@
           <a:p>
             <a:fld id="{5E4BA42B-19E4-4D15-A8A3-3953C29D0728}" type="datetime1">
               <a:rPr lang="fr-FR" smtClean="0"/>
-              <a:t>05/11/2019</a:t>
+              <a:t>06/11/2019</a:t>
             </a:fld>
             <a:endParaRPr lang="fr-FR"/>
           </a:p>
@@ -2049,7 +2049,7 @@
           <a:p>
             <a:fld id="{231CAA5D-11E8-4888-9A11-069C536CD670}" type="datetime1">
               <a:rPr lang="fr-FR" smtClean="0"/>
-              <a:t>05/11/2019</a:t>
+              <a:t>06/11/2019</a:t>
             </a:fld>
             <a:endParaRPr lang="fr-FR"/>
           </a:p>
@@ -2296,7 +2296,7 @@
           <a:p>
             <a:fld id="{05BDB5A1-CF56-46DA-8FAC-3895501851E9}" type="datetime1">
               <a:rPr lang="fr-FR" smtClean="0"/>
-              <a:t>05/11/2019</a:t>
+              <a:t>06/11/2019</a:t>
             </a:fld>
             <a:endParaRPr lang="fr-FR"/>
           </a:p>
@@ -2666,7 +2666,7 @@
           <a:p>
             <a:fld id="{ACA7ACD1-8038-4C07-973D-AD23753AAD99}" type="datetime1">
               <a:rPr lang="fr-FR" smtClean="0"/>
-              <a:t>05/11/2019</a:t>
+              <a:t>06/11/2019</a:t>
             </a:fld>
             <a:endParaRPr lang="fr-FR"/>
           </a:p>
@@ -2787,7 +2787,7 @@
           <a:p>
             <a:fld id="{1220F526-6AF8-4876-A55C-FD8012855C66}" type="datetime1">
               <a:rPr lang="fr-FR" smtClean="0"/>
-              <a:t>05/11/2019</a:t>
+              <a:t>06/11/2019</a:t>
             </a:fld>
             <a:endParaRPr lang="fr-FR"/>
           </a:p>
@@ -2885,7 +2885,7 @@
           <a:p>
             <a:fld id="{FF9D57CA-7E2D-4EFC-9469-916624656893}" type="datetime1">
               <a:rPr lang="fr-FR" smtClean="0"/>
-              <a:t>05/11/2019</a:t>
+              <a:t>06/11/2019</a:t>
             </a:fld>
             <a:endParaRPr lang="fr-FR"/>
           </a:p>
@@ -3165,7 +3165,7 @@
           <a:p>
             <a:fld id="{BC734B8C-AFA0-4E6E-A6A7-53C4AA950A40}" type="datetime1">
               <a:rPr lang="fr-FR" smtClean="0"/>
-              <a:t>05/11/2019</a:t>
+              <a:t>06/11/2019</a:t>
             </a:fld>
             <a:endParaRPr lang="fr-FR"/>
           </a:p>
@@ -3381,7 +3381,7 @@
           <a:p>
             <a:fld id="{4AB572D4-6F82-450E-A9EC-5192517CEE74}" type="datetime1">
               <a:rPr lang="fr-FR" smtClean="0"/>
-              <a:t>05/11/2019</a:t>
+              <a:t>06/11/2019</a:t>
             </a:fld>
             <a:endParaRPr lang="fr-FR"/>
           </a:p>
@@ -4673,6 +4673,162 @@
           </a:prstGeom>
         </p:spPr>
       </p:pic>
+      <p:cxnSp>
+        <p:nvCxnSpPr>
+          <p:cNvPr id="3" name="Connecteur droit 2"/>
+          <p:cNvCxnSpPr/>
+          <p:nvPr/>
+        </p:nvCxnSpPr>
+        <p:spPr>
+          <a:xfrm>
+            <a:off x="407988" y="4397433"/>
+            <a:ext cx="11520776" cy="24938"/>
+          </a:xfrm>
+          <a:prstGeom prst="line">
+            <a:avLst/>
+          </a:prstGeom>
+        </p:spPr>
+        <p:style>
+          <a:lnRef idx="3">
+            <a:schemeClr val="accent5"/>
+          </a:lnRef>
+          <a:fillRef idx="0">
+            <a:schemeClr val="accent5"/>
+          </a:fillRef>
+          <a:effectRef idx="2">
+            <a:schemeClr val="accent5"/>
+          </a:effectRef>
+          <a:fontRef idx="minor">
+            <a:schemeClr val="tx1"/>
+          </a:fontRef>
+        </p:style>
+      </p:cxnSp>
+      <p:sp>
+        <p:nvSpPr>
+          <p:cNvPr id="4" name="ZoneTexte 3"/>
+          <p:cNvSpPr txBox="1"/>
+          <p:nvPr/>
+        </p:nvSpPr>
+        <p:spPr>
+          <a:xfrm>
+            <a:off x="9609513" y="3524596"/>
+            <a:ext cx="2407519" cy="369332"/>
+          </a:xfrm>
+          <a:prstGeom prst="rect">
+            <a:avLst/>
+          </a:prstGeom>
+          <a:noFill/>
+        </p:spPr>
+        <p:txBody>
+          <a:bodyPr wrap="none" rtlCol="0">
+            <a:spAutoFit/>
+          </a:bodyPr>
+          <a:lstStyle/>
+          <a:p>
+            <a:r>
+              <a:rPr lang="fr-FR" dirty="0" smtClean="0"/>
+              <a:t>Telelogos.Reportings.dll</a:t>
+            </a:r>
+            <a:endParaRPr lang="fr-FR" dirty="0"/>
+          </a:p>
+        </p:txBody>
+      </p:sp>
+      <p:sp>
+        <p:nvSpPr>
+          <p:cNvPr id="5" name="ZoneTexte 4"/>
+          <p:cNvSpPr txBox="1"/>
+          <p:nvPr/>
+        </p:nvSpPr>
+        <p:spPr>
+          <a:xfrm>
+            <a:off x="10028185" y="4726369"/>
+            <a:ext cx="1570173" cy="369332"/>
+          </a:xfrm>
+          <a:prstGeom prst="rect">
+            <a:avLst/>
+          </a:prstGeom>
+          <a:noFill/>
+        </p:spPr>
+        <p:txBody>
+          <a:bodyPr wrap="none" rtlCol="0">
+            <a:spAutoFit/>
+          </a:bodyPr>
+          <a:lstStyle/>
+          <a:p>
+            <a:r>
+              <a:rPr lang="fr-FR" dirty="0" smtClean="0"/>
+              <a:t>Media4Display</a:t>
+            </a:r>
+            <a:endParaRPr lang="fr-FR" dirty="0"/>
+          </a:p>
+        </p:txBody>
+      </p:sp>
+      <p:sp>
+        <p:nvSpPr>
+          <p:cNvPr id="6" name="ZoneTexte 5"/>
+          <p:cNvSpPr txBox="1"/>
+          <p:nvPr/>
+        </p:nvSpPr>
+        <p:spPr>
+          <a:xfrm>
+            <a:off x="10064932" y="2737258"/>
+            <a:ext cx="1483548" cy="369332"/>
+          </a:xfrm>
+          <a:prstGeom prst="rect">
+            <a:avLst/>
+          </a:prstGeom>
+          <a:noFill/>
+        </p:spPr>
+        <p:txBody>
+          <a:bodyPr wrap="none" rtlCol="0">
+            <a:spAutoFit/>
+          </a:bodyPr>
+          <a:lstStyle/>
+          <a:p>
+            <a:r>
+              <a:rPr lang="fr-FR" dirty="0" smtClean="0"/>
+              <a:t>SealLibrary.dll</a:t>
+            </a:r>
+            <a:endParaRPr lang="fr-FR" dirty="0"/>
+          </a:p>
+        </p:txBody>
+      </p:sp>
+      <p:cxnSp>
+        <p:nvCxnSpPr>
+          <p:cNvPr id="14" name="Connecteur droit avec flèche 13"/>
+          <p:cNvCxnSpPr>
+            <a:stCxn id="4" idx="0"/>
+            <a:endCxn id="6" idx="2"/>
+          </p:cNvCxnSpPr>
+          <p:nvPr/>
+        </p:nvCxnSpPr>
+        <p:spPr>
+          <a:xfrm flipH="1" flipV="1">
+            <a:off x="10806706" y="3106590"/>
+            <a:ext cx="6567" cy="418006"/>
+          </a:xfrm>
+          <a:prstGeom prst="straightConnector1">
+            <a:avLst/>
+          </a:prstGeom>
+          <a:ln>
+            <a:tailEnd type="triangle"/>
+          </a:ln>
+        </p:spPr>
+        <p:style>
+          <a:lnRef idx="1">
+            <a:schemeClr val="accent1"/>
+          </a:lnRef>
+          <a:fillRef idx="0">
+            <a:schemeClr val="accent1"/>
+          </a:fillRef>
+          <a:effectRef idx="0">
+            <a:schemeClr val="accent1"/>
+          </a:effectRef>
+          <a:fontRef idx="minor">
+            <a:schemeClr val="tx1"/>
+          </a:fontRef>
+        </p:style>
+      </p:cxnSp>
     </p:spTree>
     <p:extLst>
       <p:ext uri="{BB962C8B-B14F-4D97-AF65-F5344CB8AC3E}">
@@ -4763,13 +4919,8 @@
             </a:pPr>
             <a:r>
               <a:rPr lang="fr-FR" sz="2400" dirty="0" smtClean="0"/>
-              <a:t>Reste à faire</a:t>
-            </a:r>
-            <a:r>
-              <a:rPr lang="fr-FR" sz="2400" dirty="0" smtClean="0"/>
-              <a:t>:</a:t>
-            </a:r>
-            <a:endParaRPr lang="fr-FR" sz="2400" dirty="0" smtClean="0"/>
+              <a:t>Reste à faire:</a:t>
+            </a:r>
           </a:p>
           <a:p>
             <a:pPr marL="800100" lvl="1" indent="-342900">
@@ -4796,7 +4947,6 @@
               <a:rPr lang="fr-FR" sz="2400" dirty="0" smtClean="0"/>
               <a:t>)</a:t>
             </a:r>
-            <a:endParaRPr lang="fr-FR" sz="2400" dirty="0" smtClean="0"/>
           </a:p>
           <a:p>
             <a:pPr marL="800100" lvl="1" indent="-342900">
